--- a/docs/songs/hossana - praise is rising.pptx
+++ b/docs/songs/hossana - praise is rising.pptx
@@ -311,7 +311,7 @@
             <a:fld id="{26EA1CF3-4A15-4CBF-9A5A-6A56C368BE71}" type="datetimeFigureOut">
               <a:rPr lang="en-GB" smtClean="0"/>
               <a:pPr/>
-              <a:t>03/10/2022</a:t>
+              <a:t>23/01/2023</a:t>
             </a:fld>
             <a:endParaRPr lang="en-GB"/>
           </a:p>
@@ -478,7 +478,7 @@
             <a:fld id="{26EA1CF3-4A15-4CBF-9A5A-6A56C368BE71}" type="datetimeFigureOut">
               <a:rPr lang="en-GB" smtClean="0"/>
               <a:pPr/>
-              <a:t>03/10/2022</a:t>
+              <a:t>23/01/2023</a:t>
             </a:fld>
             <a:endParaRPr lang="en-GB"/>
           </a:p>
@@ -655,7 +655,7 @@
             <a:fld id="{26EA1CF3-4A15-4CBF-9A5A-6A56C368BE71}" type="datetimeFigureOut">
               <a:rPr lang="en-GB" smtClean="0"/>
               <a:pPr/>
-              <a:t>03/10/2022</a:t>
+              <a:t>23/01/2023</a:t>
             </a:fld>
             <a:endParaRPr lang="en-GB"/>
           </a:p>
@@ -822,7 +822,7 @@
             <a:fld id="{26EA1CF3-4A15-4CBF-9A5A-6A56C368BE71}" type="datetimeFigureOut">
               <a:rPr lang="en-GB" smtClean="0"/>
               <a:pPr/>
-              <a:t>03/10/2022</a:t>
+              <a:t>23/01/2023</a:t>
             </a:fld>
             <a:endParaRPr lang="en-GB"/>
           </a:p>
@@ -1065,7 +1065,7 @@
             <a:fld id="{26EA1CF3-4A15-4CBF-9A5A-6A56C368BE71}" type="datetimeFigureOut">
               <a:rPr lang="en-GB" smtClean="0"/>
               <a:pPr/>
-              <a:t>03/10/2022</a:t>
+              <a:t>23/01/2023</a:t>
             </a:fld>
             <a:endParaRPr lang="en-GB"/>
           </a:p>
@@ -1350,7 +1350,7 @@
             <a:fld id="{26EA1CF3-4A15-4CBF-9A5A-6A56C368BE71}" type="datetimeFigureOut">
               <a:rPr lang="en-GB" smtClean="0"/>
               <a:pPr/>
-              <a:t>03/10/2022</a:t>
+              <a:t>23/01/2023</a:t>
             </a:fld>
             <a:endParaRPr lang="en-GB"/>
           </a:p>
@@ -1769,7 +1769,7 @@
             <a:fld id="{26EA1CF3-4A15-4CBF-9A5A-6A56C368BE71}" type="datetimeFigureOut">
               <a:rPr lang="en-GB" smtClean="0"/>
               <a:pPr/>
-              <a:t>03/10/2022</a:t>
+              <a:t>23/01/2023</a:t>
             </a:fld>
             <a:endParaRPr lang="en-GB"/>
           </a:p>
@@ -1884,7 +1884,7 @@
             <a:fld id="{26EA1CF3-4A15-4CBF-9A5A-6A56C368BE71}" type="datetimeFigureOut">
               <a:rPr lang="en-GB" smtClean="0"/>
               <a:pPr/>
-              <a:t>03/10/2022</a:t>
+              <a:t>23/01/2023</a:t>
             </a:fld>
             <a:endParaRPr lang="en-GB"/>
           </a:p>
@@ -1976,7 +1976,7 @@
             <a:fld id="{26EA1CF3-4A15-4CBF-9A5A-6A56C368BE71}" type="datetimeFigureOut">
               <a:rPr lang="en-GB" smtClean="0"/>
               <a:pPr/>
-              <a:t>03/10/2022</a:t>
+              <a:t>23/01/2023</a:t>
             </a:fld>
             <a:endParaRPr lang="en-GB"/>
           </a:p>
@@ -2250,7 +2250,7 @@
             <a:fld id="{26EA1CF3-4A15-4CBF-9A5A-6A56C368BE71}" type="datetimeFigureOut">
               <a:rPr lang="en-GB" smtClean="0"/>
               <a:pPr/>
-              <a:t>03/10/2022</a:t>
+              <a:t>23/01/2023</a:t>
             </a:fld>
             <a:endParaRPr lang="en-GB"/>
           </a:p>
@@ -2500,7 +2500,7 @@
             <a:fld id="{26EA1CF3-4A15-4CBF-9A5A-6A56C368BE71}" type="datetimeFigureOut">
               <a:rPr lang="en-GB" smtClean="0"/>
               <a:pPr/>
-              <a:t>03/10/2022</a:t>
+              <a:t>23/01/2023</a:t>
             </a:fld>
             <a:endParaRPr lang="en-GB"/>
           </a:p>
@@ -2713,7 +2713,7 @@
             <a:fld id="{26EA1CF3-4A15-4CBF-9A5A-6A56C368BE71}" type="datetimeFigureOut">
               <a:rPr lang="en-GB" smtClean="0"/>
               <a:pPr/>
-              <a:t>03/10/2022</a:t>
+              <a:t>23/01/2023</a:t>
             </a:fld>
             <a:endParaRPr lang="en-GB"/>
           </a:p>
@@ -3603,7 +3603,7 @@
                   <a:schemeClr val="bg1"/>
                 </a:solidFill>
               </a:rPr>
-              <a:t>1/6</a:t>
+              <a:t>2/6</a:t>
             </a:r>
           </a:p>
         </p:txBody>
@@ -3780,7 +3780,7 @@
                   <a:schemeClr val="bg1"/>
                 </a:solidFill>
               </a:rPr>
-              <a:t>1/6</a:t>
+              <a:t>3/6</a:t>
             </a:r>
           </a:p>
         </p:txBody>
@@ -3926,7 +3926,7 @@
                   <a:schemeClr val="bg1"/>
                 </a:solidFill>
               </a:rPr>
-              <a:t>1/6</a:t>
+              <a:t>4/6</a:t>
             </a:r>
           </a:p>
         </p:txBody>
@@ -4075,7 +4075,7 @@
                   <a:schemeClr val="bg1"/>
                 </a:solidFill>
               </a:rPr>
-              <a:t>1/6</a:t>
+              <a:t>5/6</a:t>
             </a:r>
           </a:p>
         </p:txBody>
@@ -4252,7 +4252,7 @@
                   <a:schemeClr val="bg1"/>
                 </a:solidFill>
               </a:rPr>
-              <a:t>1/6</a:t>
+              <a:t>6/6</a:t>
             </a:r>
           </a:p>
         </p:txBody>

--- a/docs/songs/hossana - praise is rising.pptx
+++ b/docs/songs/hossana - praise is rising.pptx
@@ -311,7 +311,7 @@
             <a:fld id="{26EA1CF3-4A15-4CBF-9A5A-6A56C368BE71}" type="datetimeFigureOut">
               <a:rPr lang="en-GB" smtClean="0"/>
               <a:pPr/>
-              <a:t>23/01/2023</a:t>
+              <a:t>26/08/2024</a:t>
             </a:fld>
             <a:endParaRPr lang="en-GB"/>
           </a:p>
@@ -478,7 +478,7 @@
             <a:fld id="{26EA1CF3-4A15-4CBF-9A5A-6A56C368BE71}" type="datetimeFigureOut">
               <a:rPr lang="en-GB" smtClean="0"/>
               <a:pPr/>
-              <a:t>23/01/2023</a:t>
+              <a:t>26/08/2024</a:t>
             </a:fld>
             <a:endParaRPr lang="en-GB"/>
           </a:p>
@@ -655,7 +655,7 @@
             <a:fld id="{26EA1CF3-4A15-4CBF-9A5A-6A56C368BE71}" type="datetimeFigureOut">
               <a:rPr lang="en-GB" smtClean="0"/>
               <a:pPr/>
-              <a:t>23/01/2023</a:t>
+              <a:t>26/08/2024</a:t>
             </a:fld>
             <a:endParaRPr lang="en-GB"/>
           </a:p>
@@ -822,7 +822,7 @@
             <a:fld id="{26EA1CF3-4A15-4CBF-9A5A-6A56C368BE71}" type="datetimeFigureOut">
               <a:rPr lang="en-GB" smtClean="0"/>
               <a:pPr/>
-              <a:t>23/01/2023</a:t>
+              <a:t>26/08/2024</a:t>
             </a:fld>
             <a:endParaRPr lang="en-GB"/>
           </a:p>
@@ -1065,7 +1065,7 @@
             <a:fld id="{26EA1CF3-4A15-4CBF-9A5A-6A56C368BE71}" type="datetimeFigureOut">
               <a:rPr lang="en-GB" smtClean="0"/>
               <a:pPr/>
-              <a:t>23/01/2023</a:t>
+              <a:t>26/08/2024</a:t>
             </a:fld>
             <a:endParaRPr lang="en-GB"/>
           </a:p>
@@ -1350,7 +1350,7 @@
             <a:fld id="{26EA1CF3-4A15-4CBF-9A5A-6A56C368BE71}" type="datetimeFigureOut">
               <a:rPr lang="en-GB" smtClean="0"/>
               <a:pPr/>
-              <a:t>23/01/2023</a:t>
+              <a:t>26/08/2024</a:t>
             </a:fld>
             <a:endParaRPr lang="en-GB"/>
           </a:p>
@@ -1769,7 +1769,7 @@
             <a:fld id="{26EA1CF3-4A15-4CBF-9A5A-6A56C368BE71}" type="datetimeFigureOut">
               <a:rPr lang="en-GB" smtClean="0"/>
               <a:pPr/>
-              <a:t>23/01/2023</a:t>
+              <a:t>26/08/2024</a:t>
             </a:fld>
             <a:endParaRPr lang="en-GB"/>
           </a:p>
@@ -1884,7 +1884,7 @@
             <a:fld id="{26EA1CF3-4A15-4CBF-9A5A-6A56C368BE71}" type="datetimeFigureOut">
               <a:rPr lang="en-GB" smtClean="0"/>
               <a:pPr/>
-              <a:t>23/01/2023</a:t>
+              <a:t>26/08/2024</a:t>
             </a:fld>
             <a:endParaRPr lang="en-GB"/>
           </a:p>
@@ -1976,7 +1976,7 @@
             <a:fld id="{26EA1CF3-4A15-4CBF-9A5A-6A56C368BE71}" type="datetimeFigureOut">
               <a:rPr lang="en-GB" smtClean="0"/>
               <a:pPr/>
-              <a:t>23/01/2023</a:t>
+              <a:t>26/08/2024</a:t>
             </a:fld>
             <a:endParaRPr lang="en-GB"/>
           </a:p>
@@ -2250,7 +2250,7 @@
             <a:fld id="{26EA1CF3-4A15-4CBF-9A5A-6A56C368BE71}" type="datetimeFigureOut">
               <a:rPr lang="en-GB" smtClean="0"/>
               <a:pPr/>
-              <a:t>23/01/2023</a:t>
+              <a:t>26/08/2024</a:t>
             </a:fld>
             <a:endParaRPr lang="en-GB"/>
           </a:p>
@@ -2500,7 +2500,7 @@
             <a:fld id="{26EA1CF3-4A15-4CBF-9A5A-6A56C368BE71}" type="datetimeFigureOut">
               <a:rPr lang="en-GB" smtClean="0"/>
               <a:pPr/>
-              <a:t>23/01/2023</a:t>
+              <a:t>26/08/2024</a:t>
             </a:fld>
             <a:endParaRPr lang="en-GB"/>
           </a:p>
@@ -2713,7 +2713,7 @@
             <a:fld id="{26EA1CF3-4A15-4CBF-9A5A-6A56C368BE71}" type="datetimeFigureOut">
               <a:rPr lang="en-GB" smtClean="0"/>
               <a:pPr/>
-              <a:t>23/01/2023</a:t>
+              <a:t>26/08/2024</a:t>
             </a:fld>
             <a:endParaRPr lang="en-GB"/>
           </a:p>
@@ -3350,7 +3350,7 @@
         </p:nvSpPr>
         <p:spPr>
           <a:xfrm>
-            <a:off x="323528" y="188640"/>
+            <a:off x="251520" y="764704"/>
             <a:ext cx="8640960" cy="6480720"/>
           </a:xfrm>
         </p:spPr>
@@ -3361,7 +3361,7 @@
           <a:lstStyle/>
           <a:p>
             <a:r>
-              <a:rPr lang="en-GB" sz="5400" dirty="0">
+              <a:rPr lang="en-GB" sz="3600" dirty="0">
                 <a:solidFill>
                   <a:schemeClr val="bg1"/>
                 </a:solidFill>
@@ -3371,7 +3371,7 @@
           </a:p>
           <a:p>
             <a:r>
-              <a:rPr lang="en-GB" sz="5400" dirty="0">
+              <a:rPr lang="en-GB" sz="3600" dirty="0">
                 <a:solidFill>
                   <a:schemeClr val="bg1"/>
                 </a:solidFill>
@@ -3381,7 +3381,7 @@
           </a:p>
           <a:p>
             <a:r>
-              <a:rPr lang="en-GB" sz="5400" dirty="0">
+              <a:rPr lang="en-GB" sz="3600" dirty="0">
                 <a:solidFill>
                   <a:schemeClr val="bg1"/>
                 </a:solidFill>
@@ -3391,7 +3391,7 @@
           </a:p>
           <a:p>
             <a:r>
-              <a:rPr lang="en-GB" sz="5400" dirty="0">
+              <a:rPr lang="en-GB" sz="3600" dirty="0">
                 <a:solidFill>
                   <a:schemeClr val="bg1"/>
                 </a:solidFill>
@@ -3401,7 +3401,7 @@
           </a:p>
           <a:p>
             <a:r>
-              <a:rPr lang="en-GB" sz="5400" dirty="0">
+              <a:rPr lang="en-GB" sz="3600" dirty="0">
                 <a:solidFill>
                   <a:schemeClr val="bg1"/>
                 </a:solidFill>
@@ -3411,18 +3411,13 @@
           </a:p>
           <a:p>
             <a:r>
-              <a:rPr lang="en-GB" sz="5400" dirty="0">
+              <a:rPr lang="en-GB" sz="3600" dirty="0">
                 <a:solidFill>
                   <a:schemeClr val="bg1"/>
                 </a:solidFill>
               </a:rPr>
               <a:t>We long for You</a:t>
             </a:r>
-            <a:endParaRPr lang="en-GB" sz="5000" dirty="0">
-              <a:solidFill>
-                <a:schemeClr val="bg1"/>
-              </a:solidFill>
-            </a:endParaRPr>
           </a:p>
         </p:txBody>
       </p:sp>
@@ -3501,7 +3496,7 @@
         </p:nvSpPr>
         <p:spPr>
           <a:xfrm>
-            <a:off x="323528" y="188640"/>
+            <a:off x="251520" y="692696"/>
             <a:ext cx="8640960" cy="6480720"/>
           </a:xfrm>
         </p:spPr>
@@ -3512,7 +3507,7 @@
           <a:lstStyle/>
           <a:p>
             <a:r>
-              <a:rPr lang="en-GB" sz="5400" dirty="0" err="1">
+              <a:rPr lang="en-GB" sz="3600" dirty="0" err="1">
                 <a:solidFill>
                   <a:schemeClr val="bg1"/>
                 </a:solidFill>
@@ -3520,7 +3515,7 @@
               <a:t>‘Cause</a:t>
             </a:r>
             <a:r>
-              <a:rPr lang="en-GB" sz="5400" dirty="0">
+              <a:rPr lang="en-GB" sz="3600" dirty="0">
                 <a:solidFill>
                   <a:schemeClr val="bg1"/>
                 </a:solidFill>
@@ -3530,7 +3525,7 @@
           </a:p>
           <a:p>
             <a:r>
-              <a:rPr lang="en-GB" sz="5400" dirty="0">
+              <a:rPr lang="en-GB" sz="3600" dirty="0">
                 <a:solidFill>
                   <a:schemeClr val="bg1"/>
                 </a:solidFill>
@@ -3540,7 +3535,7 @@
           </a:p>
           <a:p>
             <a:r>
-              <a:rPr lang="en-GB" sz="5400" dirty="0">
+              <a:rPr lang="en-GB" sz="3600" dirty="0">
                 <a:solidFill>
                   <a:schemeClr val="bg1"/>
                 </a:solidFill>
@@ -3550,7 +3545,7 @@
           </a:p>
           <a:p>
             <a:r>
-              <a:rPr lang="en-GB" sz="5400" dirty="0">
+              <a:rPr lang="en-GB" sz="3600" dirty="0">
                 <a:solidFill>
                   <a:schemeClr val="bg1"/>
                 </a:solidFill>
@@ -3560,18 +3555,13 @@
           </a:p>
           <a:p>
             <a:r>
-              <a:rPr lang="en-GB" sz="5400" dirty="0">
+              <a:rPr lang="en-GB" sz="3600" dirty="0">
                 <a:solidFill>
                   <a:schemeClr val="bg1"/>
                 </a:solidFill>
               </a:rPr>
               <a:t>(Washed away)</a:t>
             </a:r>
-            <a:endParaRPr lang="en-GB" sz="5000" dirty="0">
-              <a:solidFill>
-                <a:schemeClr val="bg1"/>
-              </a:solidFill>
-            </a:endParaRPr>
           </a:p>
         </p:txBody>
       </p:sp>
@@ -3650,7 +3640,7 @@
         </p:nvSpPr>
         <p:spPr>
           <a:xfrm>
-            <a:off x="107504" y="188640"/>
+            <a:off x="143508" y="764704"/>
             <a:ext cx="8856984" cy="6480720"/>
           </a:xfrm>
         </p:spPr>
@@ -3661,7 +3651,7 @@
           <a:lstStyle/>
           <a:p>
             <a:r>
-              <a:rPr lang="en-GB" sz="5400" dirty="0">
+              <a:rPr lang="en-GB" sz="3600" dirty="0">
                 <a:solidFill>
                   <a:schemeClr val="bg1"/>
                 </a:solidFill>
@@ -3669,14 +3659,14 @@
               <a:t>Hosanna </a:t>
             </a:r>
             <a:r>
-              <a:rPr lang="en-GB" sz="5400" dirty="0" err="1">
+              <a:rPr lang="en-GB" sz="3600" dirty="0" err="1">
                 <a:solidFill>
                   <a:schemeClr val="bg1"/>
                 </a:solidFill>
               </a:rPr>
               <a:t>Hosanna</a:t>
             </a:r>
-            <a:endParaRPr lang="en-GB" sz="5400" dirty="0">
+            <a:endParaRPr lang="en-GB" sz="3600" dirty="0">
               <a:solidFill>
                 <a:schemeClr val="bg1"/>
               </a:solidFill>
@@ -3684,7 +3674,7 @@
           </a:p>
           <a:p>
             <a:r>
-              <a:rPr lang="en-GB" sz="5400" dirty="0">
+              <a:rPr lang="en-GB" sz="3600" dirty="0">
                 <a:solidFill>
                   <a:schemeClr val="bg1"/>
                 </a:solidFill>
@@ -3694,7 +3684,7 @@
           </a:p>
           <a:p>
             <a:r>
-              <a:rPr lang="en-GB" sz="5400" dirty="0">
+              <a:rPr lang="en-GB" sz="3600" dirty="0">
                 <a:solidFill>
                   <a:schemeClr val="bg1"/>
                 </a:solidFill>
@@ -3704,7 +3694,7 @@
           </a:p>
           <a:p>
             <a:r>
-              <a:rPr lang="en-GB" sz="5400" dirty="0">
+              <a:rPr lang="en-GB" sz="3600" dirty="0">
                 <a:solidFill>
                   <a:schemeClr val="bg1"/>
                 </a:solidFill>
@@ -3712,14 +3702,14 @@
               <a:t>Hosanna </a:t>
             </a:r>
             <a:r>
-              <a:rPr lang="en-GB" sz="5400" dirty="0" err="1">
+              <a:rPr lang="en-GB" sz="3600" dirty="0" err="1">
                 <a:solidFill>
                   <a:schemeClr val="bg1"/>
                 </a:solidFill>
               </a:rPr>
               <a:t>Hosanna</a:t>
             </a:r>
-            <a:endParaRPr lang="en-GB" sz="5400" dirty="0">
+            <a:endParaRPr lang="en-GB" sz="3600" dirty="0">
               <a:solidFill>
                 <a:schemeClr val="bg1"/>
               </a:solidFill>
@@ -3727,7 +3717,7 @@
           </a:p>
           <a:p>
             <a:r>
-              <a:rPr lang="en-GB" sz="5400" dirty="0">
+              <a:rPr lang="en-GB" sz="3600" dirty="0">
                 <a:solidFill>
                   <a:schemeClr val="bg1"/>
                 </a:solidFill>
@@ -3737,18 +3727,13 @@
           </a:p>
           <a:p>
             <a:r>
-              <a:rPr lang="en-GB" sz="5400" dirty="0">
+              <a:rPr lang="en-GB" sz="3600" dirty="0">
                 <a:solidFill>
                   <a:schemeClr val="bg1"/>
                 </a:solidFill>
               </a:rPr>
               <a:t>We welcome You here Lord Jesus</a:t>
             </a:r>
-            <a:endParaRPr lang="en-GB" sz="5000" dirty="0">
-              <a:solidFill>
-                <a:schemeClr val="bg1"/>
-              </a:solidFill>
-            </a:endParaRPr>
           </a:p>
         </p:txBody>
       </p:sp>
@@ -3827,7 +3812,7 @@
         </p:nvSpPr>
         <p:spPr>
           <a:xfrm>
-            <a:off x="107504" y="188640"/>
+            <a:off x="143508" y="764704"/>
             <a:ext cx="8856984" cy="6480720"/>
           </a:xfrm>
         </p:spPr>
@@ -3838,7 +3823,7 @@
           <a:lstStyle/>
           <a:p>
             <a:r>
-              <a:rPr lang="en-GB" sz="5000" dirty="0">
+              <a:rPr lang="en-GB" sz="3600" dirty="0">
                 <a:solidFill>
                   <a:schemeClr val="bg1"/>
                 </a:solidFill>
@@ -3848,7 +3833,7 @@
           </a:p>
           <a:p>
             <a:r>
-              <a:rPr lang="en-GB" sz="5000" dirty="0">
+              <a:rPr lang="en-GB" sz="3600" dirty="0">
                 <a:solidFill>
                   <a:schemeClr val="bg1"/>
                 </a:solidFill>
@@ -3858,7 +3843,7 @@
           </a:p>
           <a:p>
             <a:r>
-              <a:rPr lang="en-GB" sz="5000" dirty="0">
+              <a:rPr lang="en-GB" sz="3600" dirty="0">
                 <a:solidFill>
                   <a:schemeClr val="bg1"/>
                 </a:solidFill>
@@ -3868,7 +3853,7 @@
           </a:p>
           <a:p>
             <a:r>
-              <a:rPr lang="en-GB" sz="5000" dirty="0">
+              <a:rPr lang="en-GB" sz="3600" dirty="0">
                 <a:solidFill>
                   <a:schemeClr val="bg1"/>
                 </a:solidFill>
@@ -3878,7 +3863,7 @@
           </a:p>
           <a:p>
             <a:r>
-              <a:rPr lang="en-GB" sz="5000" dirty="0">
+              <a:rPr lang="en-GB" sz="3600" dirty="0">
                 <a:solidFill>
                   <a:schemeClr val="bg1"/>
                 </a:solidFill>
@@ -3888,7 +3873,7 @@
           </a:p>
           <a:p>
             <a:r>
-              <a:rPr lang="en-GB" sz="5000" dirty="0">
+              <a:rPr lang="en-GB" sz="3600" dirty="0">
                 <a:solidFill>
                   <a:schemeClr val="bg1"/>
                 </a:solidFill>
@@ -3973,7 +3958,7 @@
         </p:nvSpPr>
         <p:spPr>
           <a:xfrm>
-            <a:off x="323528" y="188640"/>
+            <a:off x="251520" y="692696"/>
             <a:ext cx="8640960" cy="6480720"/>
           </a:xfrm>
         </p:spPr>
@@ -3984,7 +3969,7 @@
           <a:lstStyle/>
           <a:p>
             <a:r>
-              <a:rPr lang="en-GB" sz="5400" dirty="0" err="1">
+              <a:rPr lang="en-GB" sz="3600" dirty="0" err="1">
                 <a:solidFill>
                   <a:schemeClr val="bg1"/>
                 </a:solidFill>
@@ -3992,7 +3977,7 @@
               <a:t>‘Cause</a:t>
             </a:r>
             <a:r>
-              <a:rPr lang="en-GB" sz="5400" dirty="0">
+              <a:rPr lang="en-GB" sz="3600" dirty="0">
                 <a:solidFill>
                   <a:schemeClr val="bg1"/>
                 </a:solidFill>
@@ -4002,7 +3987,7 @@
           </a:p>
           <a:p>
             <a:r>
-              <a:rPr lang="en-GB" sz="5400" dirty="0">
+              <a:rPr lang="en-GB" sz="3600" dirty="0">
                 <a:solidFill>
                   <a:schemeClr val="bg1"/>
                 </a:solidFill>
@@ -4012,7 +3997,7 @@
           </a:p>
           <a:p>
             <a:r>
-              <a:rPr lang="en-GB" sz="5400" dirty="0">
+              <a:rPr lang="en-GB" sz="3600" dirty="0">
                 <a:solidFill>
                   <a:schemeClr val="bg1"/>
                 </a:solidFill>
@@ -4022,7 +4007,7 @@
           </a:p>
           <a:p>
             <a:r>
-              <a:rPr lang="en-GB" sz="5400" dirty="0">
+              <a:rPr lang="en-GB" sz="3600" dirty="0">
                 <a:solidFill>
                   <a:schemeClr val="bg1"/>
                 </a:solidFill>
@@ -4032,18 +4017,13 @@
           </a:p>
           <a:p>
             <a:r>
-              <a:rPr lang="en-GB" sz="5400" dirty="0">
+              <a:rPr lang="en-GB" sz="3600" dirty="0">
                 <a:solidFill>
                   <a:schemeClr val="bg1"/>
                 </a:solidFill>
               </a:rPr>
               <a:t>(Washed away)</a:t>
             </a:r>
-            <a:endParaRPr lang="en-GB" sz="5000" dirty="0">
-              <a:solidFill>
-                <a:schemeClr val="bg1"/>
-              </a:solidFill>
-            </a:endParaRPr>
           </a:p>
         </p:txBody>
       </p:sp>
@@ -4122,7 +4102,7 @@
         </p:nvSpPr>
         <p:spPr>
           <a:xfrm>
-            <a:off x="107504" y="188640"/>
+            <a:off x="0" y="764704"/>
             <a:ext cx="8856984" cy="6480720"/>
           </a:xfrm>
         </p:spPr>
@@ -4133,7 +4113,7 @@
           <a:lstStyle/>
           <a:p>
             <a:r>
-              <a:rPr lang="en-GB" sz="5400" dirty="0">
+              <a:rPr lang="en-GB" sz="3600" dirty="0">
                 <a:solidFill>
                   <a:schemeClr val="bg1"/>
                 </a:solidFill>
@@ -4141,14 +4121,14 @@
               <a:t>Hosanna </a:t>
             </a:r>
             <a:r>
-              <a:rPr lang="en-GB" sz="5400" dirty="0" err="1">
+              <a:rPr lang="en-GB" sz="3600" dirty="0" err="1">
                 <a:solidFill>
                   <a:schemeClr val="bg1"/>
                 </a:solidFill>
               </a:rPr>
               <a:t>Hosanna</a:t>
             </a:r>
-            <a:endParaRPr lang="en-GB" sz="5400" dirty="0">
+            <a:endParaRPr lang="en-GB" sz="3600" dirty="0">
               <a:solidFill>
                 <a:schemeClr val="bg1"/>
               </a:solidFill>
@@ -4156,7 +4136,7 @@
           </a:p>
           <a:p>
             <a:r>
-              <a:rPr lang="en-GB" sz="5400" dirty="0">
+              <a:rPr lang="en-GB" sz="3600" dirty="0">
                 <a:solidFill>
                   <a:schemeClr val="bg1"/>
                 </a:solidFill>
@@ -4166,7 +4146,7 @@
           </a:p>
           <a:p>
             <a:r>
-              <a:rPr lang="en-GB" sz="5400" dirty="0">
+              <a:rPr lang="en-GB" sz="3600" dirty="0">
                 <a:solidFill>
                   <a:schemeClr val="bg1"/>
                 </a:solidFill>
@@ -4176,7 +4156,7 @@
           </a:p>
           <a:p>
             <a:r>
-              <a:rPr lang="en-GB" sz="5400" dirty="0">
+              <a:rPr lang="en-GB" sz="3600" dirty="0">
                 <a:solidFill>
                   <a:schemeClr val="bg1"/>
                 </a:solidFill>
@@ -4184,14 +4164,14 @@
               <a:t>Hosanna </a:t>
             </a:r>
             <a:r>
-              <a:rPr lang="en-GB" sz="5400" dirty="0" err="1">
+              <a:rPr lang="en-GB" sz="3600" dirty="0" err="1">
                 <a:solidFill>
                   <a:schemeClr val="bg1"/>
                 </a:solidFill>
               </a:rPr>
               <a:t>Hosanna</a:t>
             </a:r>
-            <a:endParaRPr lang="en-GB" sz="5400" dirty="0">
+            <a:endParaRPr lang="en-GB" sz="3600" dirty="0">
               <a:solidFill>
                 <a:schemeClr val="bg1"/>
               </a:solidFill>
@@ -4199,7 +4179,7 @@
           </a:p>
           <a:p>
             <a:r>
-              <a:rPr lang="en-GB" sz="5400" dirty="0">
+              <a:rPr lang="en-GB" sz="3600" dirty="0">
                 <a:solidFill>
                   <a:schemeClr val="bg1"/>
                 </a:solidFill>
@@ -4209,18 +4189,13 @@
           </a:p>
           <a:p>
             <a:r>
-              <a:rPr lang="en-GB" sz="5400" dirty="0">
+              <a:rPr lang="en-GB" sz="3600" dirty="0">
                 <a:solidFill>
                   <a:schemeClr val="bg1"/>
                 </a:solidFill>
               </a:rPr>
               <a:t>We welcome You here Lord Jesus</a:t>
             </a:r>
-            <a:endParaRPr lang="en-GB" sz="5000" dirty="0">
-              <a:solidFill>
-                <a:schemeClr val="bg1"/>
-              </a:solidFill>
-            </a:endParaRPr>
           </a:p>
         </p:txBody>
       </p:sp>
